--- a/Slides/1.1.pptx
+++ b/Slides/1.1.pptx
@@ -7567,10 +7567,16 @@
               <a:t>eb training: </a:t>
             </a:r>
             <a:r>
-              <a:rPr lang="en-VN" dirty="0">
+              <a:rPr lang="en-US" dirty="0">
                 <a:hlinkClick r:id="rId3"/>
               </a:rPr>
-              <a:t>http://45.119.81.111/training</a:t>
+              <a:t>http://45.119.81.82</a:t>
+            </a:r>
+            <a:r>
+              <a:rPr lang="en-VN" dirty="0">
+                <a:hlinkClick r:id="rId4"/>
+              </a:rPr>
+              <a:t>/training</a:t>
             </a:r>
             <a:endParaRPr lang="en-VN" dirty="0"/>
           </a:p>

--- a/Slides/1.1.pptx
+++ b/Slides/1.1.pptx
@@ -7572,12 +7572,6 @@
               </a:rPr>
               <a:t>http://45.119.81.82</a:t>
             </a:r>
-            <a:r>
-              <a:rPr lang="en-VN" dirty="0">
-                <a:hlinkClick r:id="rId4"/>
-              </a:rPr>
-              <a:t>/training</a:t>
-            </a:r>
             <a:endParaRPr lang="en-VN" dirty="0"/>
           </a:p>
         </p:txBody>
